--- a/assets/Vintage-Movie-Shop.pptx
+++ b/assets/Vintage-Movie-Shop.pptx
@@ -110,6 +110,11 @@
       </a:defRPr>
     </a:lvl9pPr>
   </p:defaultTextStyle>
+  <p:extLst>
+    <p:ext uri="{EFAFB233-063F-42B5-8137-9DF3F51BA10A}">
+      <p15:sldGuideLst xmlns:p15="http://schemas.microsoft.com/office/powerpoint/2012/main"/>
+    </p:ext>
+  </p:extLst>
 </p:presentation>
 </file>
 
@@ -3762,7 +3767,23 @@
           <a:bodyPr/>
           <a:lstStyle/>
           <a:p>
-            <a:endParaRPr lang="en-US"/>
+            <a:r>
+              <a:rPr lang="en-US" dirty="0"/>
+              <a:t>Do you like watching old movies but haven’t been able to find the films you want to see on any streaming platform?</a:t>
+            </a:r>
+          </a:p>
+          <a:p>
+            <a:pPr lvl="1"/>
+            <a:r>
+              <a:rPr lang="en-US" dirty="0"/>
+              <a:t>Or maybe you just don’t want to keep paying every month just to watch a couple movies that you could own and watch whenever you want?</a:t>
+            </a:r>
+          </a:p>
+          <a:p>
+            <a:r>
+              <a:rPr lang="en-US" dirty="0"/>
+              <a:t>The Vintage Movie Shop is for you!  We have a great selection of some of the greatest films of all time, available to purchase and own, all for your convenience!</a:t>
+            </a:r>
           </a:p>
         </p:txBody>
       </p:sp>
@@ -3842,7 +3863,9 @@
         </p:nvSpPr>
         <p:spPr/>
         <p:txBody>
-          <a:bodyPr/>
+          <a:bodyPr>
+            <a:normAutofit fontScale="92500" lnSpcReduction="20000"/>
+          </a:bodyPr>
           <a:lstStyle/>
           <a:p>
             <a:r>
@@ -3851,15 +3874,71 @@
             </a:r>
           </a:p>
           <a:p>
+            <a:pPr lvl="1"/>
+            <a:r>
+              <a:rPr lang="en-US" dirty="0"/>
+              <a:t>Vintage movie shop with a very simple UI where users create an account and shop for some top picks from history</a:t>
+            </a:r>
+          </a:p>
+          <a:p>
             <a:r>
               <a:rPr lang="en-US" dirty="0"/>
               <a:t>Motivation for development</a:t>
             </a:r>
           </a:p>
           <a:p>
+            <a:pPr lvl="1"/>
+            <a:r>
+              <a:rPr lang="en-US" dirty="0"/>
+              <a:t>This app is geared towards people who are very old-fashioned and would like to keep their very own copies of their favorite films from over the years, as well as people who may want to watch films that are no longer on Netflix or other streaming sites</a:t>
+            </a:r>
+          </a:p>
+          <a:p>
             <a:r>
               <a:rPr lang="en-US" dirty="0"/>
               <a:t>User story</a:t>
+            </a:r>
+          </a:p>
+          <a:p>
+            <a:pPr lvl="1"/>
+            <a:r>
+              <a:rPr lang="en-US" dirty="0"/>
+              <a:t>AS AN avid vintage film buff</a:t>
+            </a:r>
+          </a:p>
+          <a:p>
+            <a:pPr lvl="1"/>
+            <a:r>
+              <a:rPr lang="en-US" dirty="0"/>
+              <a:t>I WANT to search for and watch films without paying for a subscription service</a:t>
+            </a:r>
+          </a:p>
+          <a:p>
+            <a:pPr lvl="1"/>
+            <a:r>
+              <a:rPr lang="en-US" dirty="0"/>
+              <a:t>AS AN old-fashioned film enthusiast</a:t>
+            </a:r>
+          </a:p>
+          <a:p>
+            <a:pPr lvl="1"/>
+            <a:r>
+              <a:rPr lang="en-US" dirty="0"/>
+              <a:t>I WANT to watch films that are hard to find on streaming platforms</a:t>
+            </a:r>
+          </a:p>
+          <a:p>
+            <a:pPr lvl="1"/>
+            <a:r>
+              <a:rPr lang="en-US" dirty="0"/>
+              <a:t>AS A person who isn’t very good with the Internet</a:t>
+            </a:r>
+          </a:p>
+          <a:p>
+            <a:pPr lvl="1"/>
+            <a:r>
+              <a:rPr lang="en-US" dirty="0"/>
+              <a:t>I WANT a simple, easy to use interface to buy and watch my favorite films</a:t>
             </a:r>
           </a:p>
         </p:txBody>
@@ -3910,9 +3989,16 @@
             <p:ph type="title"/>
           </p:nvPr>
         </p:nvSpPr>
-        <p:spPr/>
-        <p:txBody>
-          <a:bodyPr/>
+        <p:spPr>
+          <a:xfrm>
+            <a:off x="838200" y="365125"/>
+            <a:ext cx="10515600" cy="649859"/>
+          </a:xfrm>
+        </p:spPr>
+        <p:txBody>
+          <a:bodyPr>
+            <a:normAutofit fontScale="90000"/>
+          </a:bodyPr>
           <a:lstStyle/>
           <a:p>
             <a:r>
@@ -3938,9 +4024,16 @@
             <p:ph idx="1"/>
           </p:nvPr>
         </p:nvSpPr>
-        <p:spPr/>
-        <p:txBody>
-          <a:bodyPr/>
+        <p:spPr>
+          <a:xfrm>
+            <a:off x="838200" y="1014984"/>
+            <a:ext cx="10515600" cy="5477891"/>
+          </a:xfrm>
+        </p:spPr>
+        <p:txBody>
+          <a:bodyPr>
+            <a:normAutofit/>
+          </a:bodyPr>
           <a:lstStyle/>
           <a:p>
             <a:r>
@@ -3949,21 +4042,63 @@
             </a:r>
           </a:p>
           <a:p>
+            <a:pPr lvl="1"/>
+            <a:r>
+              <a:rPr lang="en-US" dirty="0"/>
+              <a:t>MERN stack</a:t>
+            </a:r>
+          </a:p>
+          <a:p>
+            <a:pPr lvl="1"/>
+            <a:r>
+              <a:rPr lang="en-US" dirty="0"/>
+              <a:t>Redux</a:t>
+            </a:r>
+          </a:p>
+          <a:p>
+            <a:pPr lvl="1"/>
+            <a:r>
+              <a:rPr lang="en-US" dirty="0"/>
+              <a:t>Stripe Payment Platform</a:t>
+            </a:r>
+          </a:p>
+          <a:p>
             <a:r>
               <a:rPr lang="en-US" dirty="0"/>
               <a:t>Breakdown of tasks and roles</a:t>
             </a:r>
           </a:p>
           <a:p>
+            <a:pPr lvl="1"/>
+            <a:r>
+              <a:rPr lang="en-US" dirty="0"/>
+              <a:t>We all worked equally on the app, presentation, and Readme</a:t>
+            </a:r>
+          </a:p>
+          <a:p>
             <a:r>
               <a:rPr lang="en-US" dirty="0"/>
               <a:t>Challenges</a:t>
             </a:r>
           </a:p>
           <a:p>
+            <a:pPr lvl="1"/>
+            <a:r>
+              <a:rPr lang="en-US" dirty="0"/>
+              <a:t>We originally planned to use the Movie DB API to make a more in-depth movie search app, but it would have been too difficult to implement in the time we had, so we chose this approach instead.</a:t>
+            </a:r>
+          </a:p>
+          <a:p>
             <a:r>
               <a:rPr lang="en-US" dirty="0"/>
               <a:t>Successes</a:t>
+            </a:r>
+          </a:p>
+          <a:p>
+            <a:pPr lvl="1"/>
+            <a:r>
+              <a:rPr lang="en-US" dirty="0"/>
+              <a:t>We were able to finish the project on time, with a limited amount of time, made even shorter by other challenge assignments still due</a:t>
             </a:r>
           </a:p>
         </p:txBody>
@@ -4140,7 +4275,16 @@
           <a:bodyPr/>
           <a:lstStyle/>
           <a:p>
-            <a:endParaRPr lang="en-US" dirty="0"/>
+            <a:r>
+              <a:rPr lang="en-US" dirty="0"/>
+              <a:t>Add more movies to select from (potentially some very niche offerings)</a:t>
+            </a:r>
+          </a:p>
+          <a:p>
+            <a:r>
+              <a:rPr lang="en-US" dirty="0"/>
+              <a:t>Add ability to sort films by year, alphabetical order, recently watched, etc.</a:t>
+            </a:r>
           </a:p>
         </p:txBody>
       </p:sp>
